--- a/slides/13-graphs-definitions.pptx
+++ b/slides/13-graphs-definitions.pptx
@@ -5,7 +5,7 @@
     <p:sldMasterId id="2147483852" r:id="rId1"/>
   </p:sldMasterIdLst>
   <p:notesMasterIdLst>
-    <p:notesMasterId r:id="rId37"/>
+    <p:notesMasterId r:id="rId36"/>
   </p:notesMasterIdLst>
   <p:sldIdLst>
     <p:sldId id="256" r:id="rId2"/>
@@ -38,11 +38,10 @@
     <p:sldId id="400" r:id="rId29"/>
     <p:sldId id="401" r:id="rId30"/>
     <p:sldId id="402" r:id="rId31"/>
-    <p:sldId id="403" r:id="rId32"/>
-    <p:sldId id="404" r:id="rId33"/>
-    <p:sldId id="405" r:id="rId34"/>
-    <p:sldId id="407" r:id="rId35"/>
-    <p:sldId id="406" r:id="rId36"/>
+    <p:sldId id="404" r:id="rId32"/>
+    <p:sldId id="405" r:id="rId33"/>
+    <p:sldId id="407" r:id="rId34"/>
+    <p:sldId id="406" r:id="rId35"/>
   </p:sldIdLst>
   <p:sldSz cx="12192000" cy="6858000"/>
   <p:notesSz cx="6858000" cy="9144000"/>
@@ -231,7 +230,7 @@
           <a:p>
             <a:fld id="{3CBB8A52-8AC5-C74C-97FB-632C448F3674}" type="datetimeFigureOut">
               <a:rPr lang="en-US" smtClean="0"/>
-              <a:t>3/28/24</a:t>
+              <a:t>4/8/24</a:t>
             </a:fld>
             <a:endParaRPr lang="en-US"/>
           </a:p>
@@ -1489,6 +1488,446 @@
         <p:txBody>
           <a:bodyPr/>
           <a:lstStyle/>
+          <a:p>
+            <a:pPr algn="l" fontAlgn="base"/>
+            <a:br>
+              <a:rPr lang="en-US" b="0" i="0" dirty="0">
+                <a:solidFill>
+                  <a:srgbClr val="0C0D0E"/>
+                </a:solidFill>
+                <a:effectLst/>
+                <a:highlight>
+                  <a:srgbClr val="FFFFFF"/>
+                </a:highlight>
+                <a:latin typeface="Georgia" panose="02040502050405020303" pitchFamily="18" charset="0"/>
+              </a:rPr>
+            </a:br>
+            <a:r>
+              <a:rPr lang="en-US" b="0" i="0" dirty="0">
+                <a:solidFill>
+                  <a:srgbClr val="0C0D0E"/>
+                </a:solidFill>
+                <a:effectLst/>
+                <a:highlight>
+                  <a:srgbClr val="FFFFFF"/>
+                </a:highlight>
+                <a:latin typeface="Georgia" panose="02040502050405020303" pitchFamily="18" charset="0"/>
+              </a:rPr>
+              <a:t>A subgraph </a:t>
+            </a:r>
+            <a:r>
+              <a:rPr lang="en-US" b="0" i="0" u="none" strike="noStrike" dirty="0">
+                <a:solidFill>
+                  <a:srgbClr val="0C0D0E"/>
+                </a:solidFill>
+                <a:effectLst/>
+                <a:highlight>
+                  <a:srgbClr val="FFFFFF"/>
+                </a:highlight>
+                <a:latin typeface="STIXGeneral-Italic"/>
+              </a:rPr>
+              <a:t>𝐻</a:t>
+            </a:r>
+            <a:r>
+              <a:rPr lang="en-US" b="0" i="0" dirty="0">
+                <a:solidFill>
+                  <a:srgbClr val="0C0D0E"/>
+                </a:solidFill>
+                <a:effectLst/>
+                <a:highlight>
+                  <a:srgbClr val="FFFFFF"/>
+                </a:highlight>
+                <a:latin typeface="Georgia" panose="02040502050405020303" pitchFamily="18" charset="0"/>
+              </a:rPr>
+              <a:t> of </a:t>
+            </a:r>
+            <a:r>
+              <a:rPr lang="en-US" b="0" i="0" u="none" strike="noStrike" dirty="0">
+                <a:solidFill>
+                  <a:srgbClr val="0C0D0E"/>
+                </a:solidFill>
+                <a:effectLst/>
+                <a:highlight>
+                  <a:srgbClr val="FFFFFF"/>
+                </a:highlight>
+                <a:latin typeface="STIXGeneral-Italic"/>
+              </a:rPr>
+              <a:t>𝐺</a:t>
+            </a:r>
+            <a:r>
+              <a:rPr lang="en-US" b="0" i="0" dirty="0">
+                <a:solidFill>
+                  <a:srgbClr val="0C0D0E"/>
+                </a:solidFill>
+                <a:effectLst/>
+                <a:highlight>
+                  <a:srgbClr val="FFFFFF"/>
+                </a:highlight>
+                <a:latin typeface="Georgia" panose="02040502050405020303" pitchFamily="18" charset="0"/>
+              </a:rPr>
+              <a:t> is called INDUCED, if for any two vertices </a:t>
+            </a:r>
+            <a:r>
+              <a:rPr lang="en-US" b="0" i="0" u="none" strike="noStrike" dirty="0">
+                <a:solidFill>
+                  <a:srgbClr val="0C0D0E"/>
+                </a:solidFill>
+                <a:effectLst/>
+                <a:highlight>
+                  <a:srgbClr val="FFFFFF"/>
+                </a:highlight>
+                <a:latin typeface="STIXGeneral-Italic"/>
+              </a:rPr>
+              <a:t>𝑢</a:t>
+            </a:r>
+            <a:r>
+              <a:rPr lang="en-US" b="0" i="0" u="none" strike="noStrike" dirty="0">
+                <a:solidFill>
+                  <a:srgbClr val="0C0D0E"/>
+                </a:solidFill>
+                <a:effectLst/>
+                <a:highlight>
+                  <a:srgbClr val="FFFFFF"/>
+                </a:highlight>
+                <a:latin typeface="STIXGeneral-Regular"/>
+              </a:rPr>
+              <a:t>,</a:t>
+            </a:r>
+            <a:r>
+              <a:rPr lang="en-US" b="0" i="0" u="none" strike="noStrike" dirty="0">
+                <a:solidFill>
+                  <a:srgbClr val="0C0D0E"/>
+                </a:solidFill>
+                <a:effectLst/>
+                <a:highlight>
+                  <a:srgbClr val="FFFFFF"/>
+                </a:highlight>
+                <a:latin typeface="STIXGeneral-Italic"/>
+              </a:rPr>
+              <a:t>𝑣</a:t>
+            </a:r>
+            <a:r>
+              <a:rPr lang="en-US" b="0" i="0" u="none" strike="noStrike" dirty="0">
+                <a:solidFill>
+                  <a:srgbClr val="0C0D0E"/>
+                </a:solidFill>
+                <a:effectLst/>
+                <a:highlight>
+                  <a:srgbClr val="FFFFFF"/>
+                </a:highlight>
+                <a:latin typeface="inherit"/>
+              </a:rPr>
+              <a:t>,</a:t>
+            </a:r>
+            <a:r>
+              <a:rPr lang="en-US" b="0" i="0" dirty="0">
+                <a:solidFill>
+                  <a:srgbClr val="0C0D0E"/>
+                </a:solidFill>
+                <a:effectLst/>
+                <a:highlight>
+                  <a:srgbClr val="FFFFFF"/>
+                </a:highlight>
+                <a:latin typeface="Georgia" panose="02040502050405020303" pitchFamily="18" charset="0"/>
+              </a:rPr>
+              <a:t>in </a:t>
+            </a:r>
+            <a:r>
+              <a:rPr lang="en-US" b="0" i="0" u="none" strike="noStrike" dirty="0">
+                <a:solidFill>
+                  <a:srgbClr val="0C0D0E"/>
+                </a:solidFill>
+                <a:effectLst/>
+                <a:highlight>
+                  <a:srgbClr val="FFFFFF"/>
+                </a:highlight>
+                <a:latin typeface="STIXGeneral-Italic"/>
+              </a:rPr>
+              <a:t>𝐻</a:t>
+            </a:r>
+            <a:r>
+              <a:rPr lang="en-US" b="0" i="0" dirty="0">
+                <a:solidFill>
+                  <a:srgbClr val="0C0D0E"/>
+                </a:solidFill>
+                <a:effectLst/>
+                <a:highlight>
+                  <a:srgbClr val="FFFFFF"/>
+                </a:highlight>
+                <a:latin typeface="Georgia" panose="02040502050405020303" pitchFamily="18" charset="0"/>
+              </a:rPr>
+              <a:t>, </a:t>
+            </a:r>
+            <a:r>
+              <a:rPr lang="en-US" b="0" i="0" u="none" strike="noStrike" dirty="0">
+                <a:solidFill>
+                  <a:srgbClr val="0C0D0E"/>
+                </a:solidFill>
+                <a:effectLst/>
+                <a:highlight>
+                  <a:srgbClr val="FFFFFF"/>
+                </a:highlight>
+                <a:latin typeface="STIXGeneral-Italic"/>
+              </a:rPr>
+              <a:t>𝑢</a:t>
+            </a:r>
+            <a:r>
+              <a:rPr lang="en-US" b="0" i="0" dirty="0">
+                <a:solidFill>
+                  <a:srgbClr val="0C0D0E"/>
+                </a:solidFill>
+                <a:effectLst/>
+                <a:highlight>
+                  <a:srgbClr val="FFFFFF"/>
+                </a:highlight>
+                <a:latin typeface="Georgia" panose="02040502050405020303" pitchFamily="18" charset="0"/>
+              </a:rPr>
+              <a:t> and </a:t>
+            </a:r>
+            <a:r>
+              <a:rPr lang="en-US" b="0" i="0" u="none" strike="noStrike" dirty="0">
+                <a:solidFill>
+                  <a:srgbClr val="0C0D0E"/>
+                </a:solidFill>
+                <a:effectLst/>
+                <a:highlight>
+                  <a:srgbClr val="FFFFFF"/>
+                </a:highlight>
+                <a:latin typeface="STIXGeneral-Italic"/>
+              </a:rPr>
+              <a:t>𝑣</a:t>
+            </a:r>
+            <a:r>
+              <a:rPr lang="en-US" b="0" i="0" dirty="0">
+                <a:solidFill>
+                  <a:srgbClr val="0C0D0E"/>
+                </a:solidFill>
+                <a:effectLst/>
+                <a:highlight>
+                  <a:srgbClr val="FFFFFF"/>
+                </a:highlight>
+                <a:latin typeface="Georgia" panose="02040502050405020303" pitchFamily="18" charset="0"/>
+              </a:rPr>
+              <a:t> are adjacent in </a:t>
+            </a:r>
+            <a:r>
+              <a:rPr lang="en-US" b="0" i="0" u="none" strike="noStrike" dirty="0">
+                <a:solidFill>
+                  <a:srgbClr val="0C0D0E"/>
+                </a:solidFill>
+                <a:effectLst/>
+                <a:highlight>
+                  <a:srgbClr val="FFFFFF"/>
+                </a:highlight>
+                <a:latin typeface="STIXGeneral-Italic"/>
+              </a:rPr>
+              <a:t>𝐻</a:t>
+            </a:r>
+            <a:r>
+              <a:rPr lang="en-US" b="0" i="0" dirty="0">
+                <a:solidFill>
+                  <a:srgbClr val="0C0D0E"/>
+                </a:solidFill>
+                <a:effectLst/>
+                <a:highlight>
+                  <a:srgbClr val="FFFFFF"/>
+                </a:highlight>
+                <a:latin typeface="Georgia" panose="02040502050405020303" pitchFamily="18" charset="0"/>
+              </a:rPr>
+              <a:t> if and only if they are adjacent in </a:t>
+            </a:r>
+            <a:r>
+              <a:rPr lang="en-US" b="0" i="0" u="none" strike="noStrike" dirty="0">
+                <a:solidFill>
+                  <a:srgbClr val="0C0D0E"/>
+                </a:solidFill>
+                <a:effectLst/>
+                <a:highlight>
+                  <a:srgbClr val="FFFFFF"/>
+                </a:highlight>
+                <a:latin typeface="STIXGeneral-Italic"/>
+              </a:rPr>
+              <a:t>𝐺</a:t>
+            </a:r>
+            <a:r>
+              <a:rPr lang="en-US" b="0" i="0" dirty="0">
+                <a:solidFill>
+                  <a:srgbClr val="0C0D0E"/>
+                </a:solidFill>
+                <a:effectLst/>
+                <a:highlight>
+                  <a:srgbClr val="FFFFFF"/>
+                </a:highlight>
+                <a:latin typeface="Georgia" panose="02040502050405020303" pitchFamily="18" charset="0"/>
+              </a:rPr>
+              <a:t>.</a:t>
+            </a:r>
+          </a:p>
+          <a:p>
+            <a:pPr algn="l" fontAlgn="base"/>
+            <a:endParaRPr lang="en-US" b="0" i="0" dirty="0">
+              <a:solidFill>
+                <a:srgbClr val="0C0D0E"/>
+              </a:solidFill>
+              <a:effectLst/>
+              <a:highlight>
+                <a:srgbClr val="FFFFFF"/>
+              </a:highlight>
+              <a:latin typeface="Georgia" panose="02040502050405020303" pitchFamily="18" charset="0"/>
+            </a:endParaRPr>
+          </a:p>
+          <a:p>
+            <a:pPr algn="l" fontAlgn="base"/>
+            <a:r>
+              <a:rPr lang="en-US" b="0" i="0" dirty="0">
+                <a:solidFill>
+                  <a:srgbClr val="0C0D0E"/>
+                </a:solidFill>
+                <a:effectLst/>
+                <a:highlight>
+                  <a:srgbClr val="FFFFFF"/>
+                </a:highlight>
+                <a:latin typeface="Georgia" panose="02040502050405020303" pitchFamily="18" charset="0"/>
+              </a:rPr>
+              <a:t>In other words, </a:t>
+            </a:r>
+            <a:r>
+              <a:rPr lang="en-US" b="0" i="0" u="none" strike="noStrike" dirty="0">
+                <a:solidFill>
+                  <a:srgbClr val="0C0D0E"/>
+                </a:solidFill>
+                <a:effectLst/>
+                <a:highlight>
+                  <a:srgbClr val="FFFFFF"/>
+                </a:highlight>
+                <a:latin typeface="STIXGeneral-Italic"/>
+              </a:rPr>
+              <a:t>𝐻</a:t>
+            </a:r>
+            <a:r>
+              <a:rPr lang="en-US" b="0" i="0" dirty="0">
+                <a:solidFill>
+                  <a:srgbClr val="0C0D0E"/>
+                </a:solidFill>
+                <a:effectLst/>
+                <a:highlight>
+                  <a:srgbClr val="FFFFFF"/>
+                </a:highlight>
+                <a:latin typeface="Georgia" panose="02040502050405020303" pitchFamily="18" charset="0"/>
+              </a:rPr>
+              <a:t> has the same edges as </a:t>
+            </a:r>
+            <a:r>
+              <a:rPr lang="en-US" b="0" i="0" u="none" strike="noStrike" dirty="0">
+                <a:solidFill>
+                  <a:srgbClr val="0C0D0E"/>
+                </a:solidFill>
+                <a:effectLst/>
+                <a:highlight>
+                  <a:srgbClr val="FFFFFF"/>
+                </a:highlight>
+                <a:latin typeface="STIXGeneral-Italic"/>
+              </a:rPr>
+              <a:t>𝐺</a:t>
+            </a:r>
+            <a:r>
+              <a:rPr lang="en-US" b="0" i="0" dirty="0">
+                <a:solidFill>
+                  <a:srgbClr val="0C0D0E"/>
+                </a:solidFill>
+                <a:effectLst/>
+                <a:highlight>
+                  <a:srgbClr val="FFFFFF"/>
+                </a:highlight>
+                <a:latin typeface="Georgia" panose="02040502050405020303" pitchFamily="18" charset="0"/>
+              </a:rPr>
+              <a:t> between the vertices in </a:t>
+            </a:r>
+            <a:r>
+              <a:rPr lang="en-US" b="0" i="0" u="none" strike="noStrike" dirty="0">
+                <a:solidFill>
+                  <a:srgbClr val="0C0D0E"/>
+                </a:solidFill>
+                <a:effectLst/>
+                <a:highlight>
+                  <a:srgbClr val="FFFFFF"/>
+                </a:highlight>
+                <a:latin typeface="STIXGeneral-Italic"/>
+              </a:rPr>
+              <a:t>𝐻</a:t>
+            </a:r>
+            <a:r>
+              <a:rPr lang="en-US" b="0" i="0" dirty="0">
+                <a:solidFill>
+                  <a:srgbClr val="0C0D0E"/>
+                </a:solidFill>
+                <a:effectLst/>
+                <a:highlight>
+                  <a:srgbClr val="FFFFFF"/>
+                </a:highlight>
+                <a:latin typeface="Georgia" panose="02040502050405020303" pitchFamily="18" charset="0"/>
+              </a:rPr>
+              <a:t>.</a:t>
+            </a:r>
+          </a:p>
+          <a:p>
+            <a:pPr algn="l" fontAlgn="base"/>
+            <a:endParaRPr lang="en-US" b="0" i="0" dirty="0">
+              <a:solidFill>
+                <a:srgbClr val="0C0D0E"/>
+              </a:solidFill>
+              <a:effectLst/>
+              <a:highlight>
+                <a:srgbClr val="FFFFFF"/>
+              </a:highlight>
+              <a:latin typeface="Georgia" panose="02040502050405020303" pitchFamily="18" charset="0"/>
+            </a:endParaRPr>
+          </a:p>
+          <a:p>
+            <a:pPr algn="l" fontAlgn="base"/>
+            <a:r>
+              <a:rPr lang="en-US" b="0" i="0" dirty="0">
+                <a:solidFill>
+                  <a:srgbClr val="0C0D0E"/>
+                </a:solidFill>
+                <a:effectLst/>
+                <a:highlight>
+                  <a:srgbClr val="FFFFFF"/>
+                </a:highlight>
+                <a:latin typeface="Georgia" panose="02040502050405020303" pitchFamily="18" charset="0"/>
+              </a:rPr>
+              <a:t>A general subgraph can have less edges between the same vertices than the original one.</a:t>
+            </a:r>
+          </a:p>
+          <a:p>
+            <a:pPr algn="l" fontAlgn="base"/>
+            <a:endParaRPr lang="en-US" b="0" i="0" dirty="0">
+              <a:solidFill>
+                <a:srgbClr val="0C0D0E"/>
+              </a:solidFill>
+              <a:effectLst/>
+              <a:highlight>
+                <a:srgbClr val="FFFFFF"/>
+              </a:highlight>
+              <a:latin typeface="Georgia" panose="02040502050405020303" pitchFamily="18" charset="0"/>
+            </a:endParaRPr>
+          </a:p>
+          <a:p>
+            <a:pPr algn="l" fontAlgn="base"/>
+            <a:r>
+              <a:rPr lang="en-US" b="0" i="0" dirty="0">
+                <a:solidFill>
+                  <a:srgbClr val="0C0D0E"/>
+                </a:solidFill>
+                <a:effectLst/>
+                <a:highlight>
+                  <a:srgbClr val="FFFFFF"/>
+                </a:highlight>
+                <a:latin typeface="Georgia" panose="02040502050405020303" pitchFamily="18" charset="0"/>
+              </a:rPr>
+              <a:t>So, an induced subgraph can be constructed by deleting vertices (and with them all the incident edges), but no more edges. If additional edges are deleted, the subgraph is not induced.</a:t>
+            </a:r>
+          </a:p>
           <a:p>
             <a:pPr marL="228600" indent="-228600">
               <a:buAutoNum type="arabicPeriod"/>
@@ -3078,37 +3517,11 @@
                 </a:solidFill>
                 <a:effectLst/>
                 <a:highlight>
-                  <a:srgbClr val="FFEEFF"/>
+                  <a:srgbClr val="FFFFFF"/>
                 </a:highlight>
                 <a:latin typeface="Open Sans" panose="020B0606030504020204" pitchFamily="34" charset="0"/>
               </a:rPr>
-              <a:t>It seems like this should be possible. Each mathematician chooses one person to not shake hands with. But this cannot happen. We are asking whether a graph with 9 vertices can have each vertex have degree 7. If such a graph existed, the sum of the degrees of the vertices would be 9⋅7=63. This would be twice the number of edges (handshakes) resulting in a graph with 31.5 edges. That is impossible. Thus at least one (in fact an odd number) of the mathematicians must have shaken hands with an </a:t>
-            </a:r>
-            <a:r>
-              <a:rPr lang="en-US" b="0" i="1" dirty="0">
-                <a:solidFill>
-                  <a:srgbClr val="000000"/>
-                </a:solidFill>
-                <a:effectLst/>
-                <a:highlight>
-                  <a:srgbClr val="FFEEFF"/>
-                </a:highlight>
-                <a:latin typeface="Open Sans" panose="020B0606030504020204" pitchFamily="34" charset="0"/>
-              </a:rPr>
-              <a:t>even</a:t>
-            </a:r>
-            <a:r>
-              <a:rPr lang="en-US" b="0" i="0" dirty="0">
-                <a:solidFill>
-                  <a:srgbClr val="000000"/>
-                </a:solidFill>
-                <a:effectLst/>
-                <a:highlight>
-                  <a:srgbClr val="FFEEFF"/>
-                </a:highlight>
-                <a:latin typeface="Open Sans" panose="020B0606030504020204" pitchFamily="34" charset="0"/>
-              </a:rPr>
-              <a:t> number of people at the seminar.</a:t>
+              <a:t>Suppose there were a graph with an odd number of vertices with odd degree. Then the sum of the degrees in the graph would be odd, which is impossible, by the handshake lemma.</a:t>
             </a:r>
             <a:endParaRPr lang="en-US" dirty="0"/>
           </a:p>
@@ -3146,7 +3559,7 @@
     </p:spTree>
     <p:extLst>
       <p:ext uri="{BB962C8B-B14F-4D97-AF65-F5344CB8AC3E}">
-        <p14:creationId xmlns:p14="http://schemas.microsoft.com/office/powerpoint/2010/main" val="3540287817"/>
+        <p14:creationId xmlns:p14="http://schemas.microsoft.com/office/powerpoint/2010/main" val="3283942809"/>
       </p:ext>
     </p:extLst>
   </p:cSld>
@@ -3335,19 +3748,6 @@
             <a:pPr marL="228600" indent="-228600">
               <a:buAutoNum type="arabicPeriod"/>
             </a:pPr>
-            <a:r>
-              <a:rPr lang="en-US" b="0" i="0" dirty="0">
-                <a:solidFill>
-                  <a:srgbClr val="000000"/>
-                </a:solidFill>
-                <a:effectLst/>
-                <a:highlight>
-                  <a:srgbClr val="FFFFFF"/>
-                </a:highlight>
-                <a:latin typeface="Open Sans" panose="020B0606030504020204" pitchFamily="34" charset="0"/>
-              </a:rPr>
-              <a:t>Suppose there were a graph with an odd number of vertices with odd degree. Then the sum of the degrees in the graph would be odd, which is impossible, by the handshake lemma.</a:t>
-            </a:r>
             <a:endParaRPr lang="en-US" dirty="0"/>
           </a:p>
         </p:txBody>
@@ -3384,7 +3784,7 @@
     </p:spTree>
     <p:extLst>
       <p:ext uri="{BB962C8B-B14F-4D97-AF65-F5344CB8AC3E}">
-        <p14:creationId xmlns:p14="http://schemas.microsoft.com/office/powerpoint/2010/main" val="3283942809"/>
+        <p14:creationId xmlns:p14="http://schemas.microsoft.com/office/powerpoint/2010/main" val="3211457680"/>
       </p:ext>
     </p:extLst>
   </p:cSld>
@@ -3395,117 +3795,6 @@
 </file>
 
 <file path=ppt/notesSlides/notesSlide31.xml><?xml version="1.0" encoding="utf-8"?>
-<p:notes xmlns:a="http://schemas.openxmlformats.org/drawingml/2006/main" xmlns:r="http://schemas.openxmlformats.org/officeDocument/2006/relationships" xmlns:p="http://schemas.openxmlformats.org/presentationml/2006/main">
-  <p:cSld>
-    <p:spTree>
-      <p:nvGrpSpPr>
-        <p:cNvPr id="1" name="">
-          <a:extLst>
-            <a:ext uri="{FF2B5EF4-FFF2-40B4-BE49-F238E27FC236}">
-              <a16:creationId xmlns:a16="http://schemas.microsoft.com/office/drawing/2014/main" id="{8D498420-770F-48D9-3BDB-D17B22ECE485}"/>
-            </a:ext>
-          </a:extLst>
-        </p:cNvPr>
-        <p:cNvGrpSpPr/>
-        <p:nvPr/>
-      </p:nvGrpSpPr>
-      <p:grpSpPr>
-        <a:xfrm>
-          <a:off x="0" y="0"/>
-          <a:ext cx="0" cy="0"/>
-          <a:chOff x="0" y="0"/>
-          <a:chExt cx="0" cy="0"/>
-        </a:xfrm>
-      </p:grpSpPr>
-      <p:sp>
-        <p:nvSpPr>
-          <p:cNvPr id="2" name="Slide Image Placeholder 1">
-            <a:extLst>
-              <a:ext uri="{FF2B5EF4-FFF2-40B4-BE49-F238E27FC236}">
-                <a16:creationId xmlns:a16="http://schemas.microsoft.com/office/drawing/2014/main" id="{5E6729E5-59C7-4D59-DE93-5B0E87219D93}"/>
-              </a:ext>
-            </a:extLst>
-          </p:cNvPr>
-          <p:cNvSpPr>
-            <a:spLocks noGrp="1" noRot="1" noChangeAspect="1"/>
-          </p:cNvSpPr>
-          <p:nvPr>
-            <p:ph type="sldImg"/>
-          </p:nvPr>
-        </p:nvSpPr>
-        <p:spPr/>
-      </p:sp>
-      <p:sp>
-        <p:nvSpPr>
-          <p:cNvPr id="3" name="Notes Placeholder 2">
-            <a:extLst>
-              <a:ext uri="{FF2B5EF4-FFF2-40B4-BE49-F238E27FC236}">
-                <a16:creationId xmlns:a16="http://schemas.microsoft.com/office/drawing/2014/main" id="{917FFFBF-2FD7-0C64-924C-D33328CEE9F3}"/>
-              </a:ext>
-            </a:extLst>
-          </p:cNvPr>
-          <p:cNvSpPr>
-            <a:spLocks noGrp="1"/>
-          </p:cNvSpPr>
-          <p:nvPr>
-            <p:ph type="body" idx="1"/>
-          </p:nvPr>
-        </p:nvSpPr>
-        <p:spPr/>
-        <p:txBody>
-          <a:bodyPr/>
-          <a:lstStyle/>
-          <a:p>
-            <a:pPr marL="228600" indent="-228600">
-              <a:buAutoNum type="arabicPeriod"/>
-            </a:pPr>
-            <a:endParaRPr lang="en-US" dirty="0"/>
-          </a:p>
-        </p:txBody>
-      </p:sp>
-      <p:sp>
-        <p:nvSpPr>
-          <p:cNvPr id="4" name="Slide Number Placeholder 3">
-            <a:extLst>
-              <a:ext uri="{FF2B5EF4-FFF2-40B4-BE49-F238E27FC236}">
-                <a16:creationId xmlns:a16="http://schemas.microsoft.com/office/drawing/2014/main" id="{9C1D8DBD-0769-64D1-8891-25C5228F8BB8}"/>
-              </a:ext>
-            </a:extLst>
-          </p:cNvPr>
-          <p:cNvSpPr>
-            <a:spLocks noGrp="1"/>
-          </p:cNvSpPr>
-          <p:nvPr>
-            <p:ph type="sldNum" sz="quarter" idx="10"/>
-          </p:nvPr>
-        </p:nvSpPr>
-        <p:spPr/>
-        <p:txBody>
-          <a:bodyPr/>
-          <a:lstStyle/>
-          <a:p>
-            <a:fld id="{77F12483-E947-6F4E-A75E-B2E677827779}" type="slidenum">
-              <a:rPr lang="en-US" smtClean="0"/>
-              <a:t>33</a:t>
-            </a:fld>
-            <a:endParaRPr lang="en-US"/>
-          </a:p>
-        </p:txBody>
-      </p:sp>
-    </p:spTree>
-    <p:extLst>
-      <p:ext uri="{BB962C8B-B14F-4D97-AF65-F5344CB8AC3E}">
-        <p14:creationId xmlns:p14="http://schemas.microsoft.com/office/powerpoint/2010/main" val="3211457680"/>
-      </p:ext>
-    </p:extLst>
-  </p:cSld>
-  <p:clrMapOvr>
-    <a:masterClrMapping/>
-  </p:clrMapOvr>
-</p:notes>
-</file>
-
-<file path=ppt/notesSlides/notesSlide32.xml><?xml version="1.0" encoding="utf-8"?>
 <p:notes xmlns:a="http://schemas.openxmlformats.org/drawingml/2006/main" xmlns:r="http://schemas.openxmlformats.org/officeDocument/2006/relationships" xmlns:p="http://schemas.openxmlformats.org/presentationml/2006/main">
   <p:cSld>
     <p:spTree>
@@ -3605,7 +3894,7 @@
           <a:p>
             <a:fld id="{77F12483-E947-6F4E-A75E-B2E677827779}" type="slidenum">
               <a:rPr lang="en-US" smtClean="0"/>
-              <a:t>34</a:t>
+              <a:t>33</a:t>
             </a:fld>
             <a:endParaRPr lang="en-US"/>
           </a:p>
@@ -3624,7 +3913,7 @@
 </p:notes>
 </file>
 
-<file path=ppt/notesSlides/notesSlide33.xml><?xml version="1.0" encoding="utf-8"?>
+<file path=ppt/notesSlides/notesSlide32.xml><?xml version="1.0" encoding="utf-8"?>
 <p:notes xmlns:a="http://schemas.openxmlformats.org/drawingml/2006/main" xmlns:r="http://schemas.openxmlformats.org/officeDocument/2006/relationships" xmlns:p="http://schemas.openxmlformats.org/presentationml/2006/main">
   <p:cSld>
     <p:spTree>
@@ -3716,7 +4005,7 @@
           <a:p>
             <a:fld id="{77F12483-E947-6F4E-A75E-B2E677827779}" type="slidenum">
               <a:rPr lang="en-US" smtClean="0"/>
-              <a:t>35</a:t>
+              <a:t>34</a:t>
             </a:fld>
             <a:endParaRPr lang="en-US"/>
           </a:p>
@@ -4644,7 +4933,7 @@
             <a:fld id="{5586B75A-687E-405C-8A0B-8D00578BA2C3}" type="datetimeFigureOut">
               <a:rPr lang="en-US" smtClean="0"/>
               <a:pPr/>
-              <a:t>3/28/24</a:t>
+              <a:t>4/8/24</a:t>
             </a:fld>
             <a:endParaRPr lang="en-US" dirty="0"/>
           </a:p>
@@ -4816,7 +5105,7 @@
             <a:fld id="{5586B75A-687E-405C-8A0B-8D00578BA2C3}" type="datetimeFigureOut">
               <a:rPr lang="en-US" smtClean="0"/>
               <a:pPr/>
-              <a:t>3/28/24</a:t>
+              <a:t>4/8/24</a:t>
             </a:fld>
             <a:endParaRPr lang="en-US" dirty="0"/>
           </a:p>
@@ -4998,7 +5287,7 @@
             <a:fld id="{5586B75A-687E-405C-8A0B-8D00578BA2C3}" type="datetimeFigureOut">
               <a:rPr lang="en-US" smtClean="0"/>
               <a:pPr/>
-              <a:t>3/28/24</a:t>
+              <a:t>4/8/24</a:t>
             </a:fld>
             <a:endParaRPr lang="en-US" dirty="0"/>
           </a:p>
@@ -5170,7 +5459,7 @@
             <a:fld id="{5586B75A-687E-405C-8A0B-8D00578BA2C3}" type="datetimeFigureOut">
               <a:rPr lang="en-US" smtClean="0"/>
               <a:pPr/>
-              <a:t>3/28/24</a:t>
+              <a:t>4/8/24</a:t>
             </a:fld>
             <a:endParaRPr lang="en-US" dirty="0"/>
           </a:p>
@@ -5426,7 +5715,7 @@
             <a:fld id="{5586B75A-687E-405C-8A0B-8D00578BA2C3}" type="datetimeFigureOut">
               <a:rPr lang="en-US" smtClean="0"/>
               <a:pPr/>
-              <a:t>3/28/24</a:t>
+              <a:t>4/8/24</a:t>
             </a:fld>
             <a:endParaRPr lang="en-US" dirty="0"/>
           </a:p>
@@ -5716,7 +6005,7 @@
             <a:fld id="{5586B75A-687E-405C-8A0B-8D00578BA2C3}" type="datetimeFigureOut">
               <a:rPr lang="en-US" smtClean="0"/>
               <a:pPr/>
-              <a:t>3/28/24</a:t>
+              <a:t>4/8/24</a:t>
             </a:fld>
             <a:endParaRPr lang="en-US" dirty="0"/>
           </a:p>
@@ -6160,7 +6449,7 @@
             <a:fld id="{5586B75A-687E-405C-8A0B-8D00578BA2C3}" type="datetimeFigureOut">
               <a:rPr lang="en-US" smtClean="0"/>
               <a:pPr/>
-              <a:t>3/28/24</a:t>
+              <a:t>4/8/24</a:t>
             </a:fld>
             <a:endParaRPr lang="en-US" dirty="0"/>
           </a:p>
@@ -6280,7 +6569,7 @@
             <a:fld id="{5586B75A-687E-405C-8A0B-8D00578BA2C3}" type="datetimeFigureOut">
               <a:rPr lang="en-US" smtClean="0"/>
               <a:pPr/>
-              <a:t>3/28/24</a:t>
+              <a:t>4/8/24</a:t>
             </a:fld>
             <a:endParaRPr lang="en-US" dirty="0"/>
           </a:p>
@@ -6377,7 +6666,7 @@
             <a:fld id="{5586B75A-687E-405C-8A0B-8D00578BA2C3}" type="datetimeFigureOut">
               <a:rPr lang="en-US" smtClean="0"/>
               <a:pPr/>
-              <a:t>3/28/24</a:t>
+              <a:t>4/8/24</a:t>
             </a:fld>
             <a:endParaRPr lang="en-US" dirty="0"/>
           </a:p>
@@ -6667,7 +6956,7 @@
             <a:fld id="{5586B75A-687E-405C-8A0B-8D00578BA2C3}" type="datetimeFigureOut">
               <a:rPr lang="en-US" smtClean="0"/>
               <a:pPr/>
-              <a:t>3/28/24</a:t>
+              <a:t>4/8/24</a:t>
             </a:fld>
             <a:endParaRPr lang="en-US" dirty="0"/>
           </a:p>
@@ -6942,7 +7231,7 @@
             <a:fld id="{5586B75A-687E-405C-8A0B-8D00578BA2C3}" type="datetimeFigureOut">
               <a:rPr lang="en-US" smtClean="0"/>
               <a:pPr/>
-              <a:t>3/28/24</a:t>
+              <a:t>4/8/24</a:t>
             </a:fld>
             <a:endParaRPr lang="en-US" dirty="0"/>
           </a:p>
@@ -7241,7 +7530,7 @@
             <a:fld id="{5586B75A-687E-405C-8A0B-8D00578BA2C3}" type="datetimeFigureOut">
               <a:rPr lang="en-US" smtClean="0"/>
               <a:pPr/>
-              <a:t>3/28/24</a:t>
+              <a:t>4/8/24</a:t>
             </a:fld>
             <a:endParaRPr lang="en-US" dirty="0"/>
           </a:p>
@@ -15016,8 +15305,8 @@
           </a:p>
         </p:txBody>
       </p:sp>
-      <mc:AlternateContent xmlns:mc="http://schemas.openxmlformats.org/markup-compatibility/2006" xmlns:a14="http://schemas.microsoft.com/office/drawing/2010/main">
-        <mc:Choice Requires="a14">
+      <mc:AlternateContent xmlns:mc="http://schemas.openxmlformats.org/markup-compatibility/2006">
+        <mc:Choice xmlns:a14="http://schemas.microsoft.com/office/drawing/2010/main" Requires="a14">
           <p:sp>
             <p:nvSpPr>
               <p:cNvPr id="6" name="Content Placeholder 2">
@@ -15726,43 +16015,10 @@
                   <a:latin typeface="Open Sans" panose="020B0606030504020204" pitchFamily="34" charset="0"/>
                 </a:endParaRPr>
               </a:p>
-              <a:p>
-                <a:pPr marL="0" indent="0">
-                  <a:buNone/>
-                </a:pPr>
-                <a:r>
-                  <a:rPr lang="en-US" sz="2400" dirty="0">
-                    <a:solidFill>
-                      <a:schemeClr val="tx1"/>
-                    </a:solidFill>
-                    <a:latin typeface="Open Sans" panose="020B0606030504020204" pitchFamily="34" charset="0"/>
-                  </a:rPr>
-                  <a:t>Ex. This graph with any labels for </a:t>
-                </a:r>
-                <a14:m>
-                  <m:oMath xmlns:m="http://schemas.openxmlformats.org/officeDocument/2006/math">
-                    <m:r>
-                      <a:rPr lang="en-US" sz="2400" b="0" i="1" smtClean="0">
-                        <a:solidFill>
-                          <a:schemeClr val="tx1"/>
-                        </a:solidFill>
-                        <a:latin typeface="Cambria Math" panose="02040503050406030204" pitchFamily="18" charset="0"/>
-                      </a:rPr>
-                      <m:t>𝑉</m:t>
-                    </m:r>
-                  </m:oMath>
-                </a14:m>
-                <a:endParaRPr lang="en-US" sz="2400" dirty="0">
-                  <a:solidFill>
-                    <a:schemeClr val="tx1"/>
-                  </a:solidFill>
-                  <a:latin typeface="Open Sans" panose="020B0606030504020204" pitchFamily="34" charset="0"/>
-                </a:endParaRPr>
-              </a:p>
             </p:txBody>
           </p:sp>
         </mc:Choice>
-        <mc:Fallback xmlns="">
+        <mc:Fallback>
           <p:sp>
             <p:nvSpPr>
               <p:cNvPr id="6" name="Content Placeholder 2">
@@ -15806,36 +16062,6 @@
           </p:sp>
         </mc:Fallback>
       </mc:AlternateContent>
-      <p:pic>
-        <p:nvPicPr>
-          <p:cNvPr id="5" name="Picture 4" descr="A black and white image of a diamond with black dots&#10;&#10;Description automatically generated">
-            <a:extLst>
-              <a:ext uri="{FF2B5EF4-FFF2-40B4-BE49-F238E27FC236}">
-                <a16:creationId xmlns:a16="http://schemas.microsoft.com/office/drawing/2014/main" id="{DD899CB6-4181-8148-AC6B-73E4A3EBB6E3}"/>
-              </a:ext>
-            </a:extLst>
-          </p:cNvPr>
-          <p:cNvPicPr>
-            <a:picLocks noChangeAspect="1"/>
-          </p:cNvPicPr>
-          <p:nvPr/>
-        </p:nvPicPr>
-        <p:blipFill>
-          <a:blip r:embed="rId4"/>
-          <a:stretch>
-            <a:fillRect/>
-          </a:stretch>
-        </p:blipFill>
-        <p:spPr>
-          <a:xfrm>
-            <a:off x="8716878" y="3925637"/>
-            <a:ext cx="2991239" cy="2571416"/>
-          </a:xfrm>
-          <a:prstGeom prst="rect">
-            <a:avLst/>
-          </a:prstGeom>
-        </p:spPr>
-      </p:pic>
     </p:spTree>
     <p:extLst>
       <p:ext uri="{BB962C8B-B14F-4D97-AF65-F5344CB8AC3E}">
@@ -21471,7 +21697,7 @@
                 </a:solidFill>
                 <a:latin typeface="Open Sans" panose="020B0606030504020204" pitchFamily="34" charset="0"/>
               </a:rPr>
-              <a:t>With our current definition no pair of vertices can be connected by an edge more than once, and no vertex can b connected to itself. </a:t>
+              <a:t>With our current definition no pair of vertices can be connected by an edge more than once, and no vertex can be connected to itself. </a:t>
             </a:r>
           </a:p>
           <a:p>
@@ -25213,8 +25439,8 @@
           </a:p>
         </p:txBody>
       </p:sp>
-      <mc:AlternateContent xmlns:mc="http://schemas.openxmlformats.org/markup-compatibility/2006">
-        <mc:Choice xmlns:a14="http://schemas.microsoft.com/office/drawing/2010/main" Requires="a14">
+      <mc:AlternateContent xmlns:mc="http://schemas.openxmlformats.org/markup-compatibility/2006" xmlns:a14="http://schemas.microsoft.com/office/drawing/2010/main">
+        <mc:Choice Requires="a14">
           <p:sp>
             <p:nvSpPr>
               <p:cNvPr id="7" name="Content Placeholder 2">
@@ -25747,7 +25973,7 @@
             </p:txBody>
           </p:sp>
         </mc:Choice>
-        <mc:Fallback>
+        <mc:Fallback xmlns="">
           <p:sp>
             <p:nvSpPr>
               <p:cNvPr id="7" name="Content Placeholder 2">
@@ -26055,8 +26281,8 @@
           </a:p>
         </p:txBody>
       </p:sp>
-      <mc:AlternateContent xmlns:mc="http://schemas.openxmlformats.org/markup-compatibility/2006">
-        <mc:Choice xmlns:a14="http://schemas.microsoft.com/office/drawing/2010/main" Requires="a14">
+      <mc:AlternateContent xmlns:mc="http://schemas.openxmlformats.org/markup-compatibility/2006" xmlns:a14="http://schemas.microsoft.com/office/drawing/2010/main">
+        <mc:Choice Requires="a14">
           <p:sp>
             <p:nvSpPr>
               <p:cNvPr id="7" name="Content Placeholder 2">
@@ -26589,7 +26815,7 @@
             </p:txBody>
           </p:sp>
         </mc:Choice>
-        <mc:Fallback>
+        <mc:Fallback xmlns="">
           <p:sp>
             <p:nvSpPr>
               <p:cNvPr id="7" name="Content Placeholder 2">
@@ -26696,697 +26922,6 @@
 </file>
 
 <file path=ppt/slides/slide31.xml><?xml version="1.0" encoding="utf-8"?>
-<p:sld xmlns:a="http://schemas.openxmlformats.org/drawingml/2006/main" xmlns:r="http://schemas.openxmlformats.org/officeDocument/2006/relationships" xmlns:p="http://schemas.openxmlformats.org/presentationml/2006/main">
-  <p:cSld>
-    <p:spTree>
-      <p:nvGrpSpPr>
-        <p:cNvPr id="1" name="">
-          <a:extLst>
-            <a:ext uri="{FF2B5EF4-FFF2-40B4-BE49-F238E27FC236}">
-              <a16:creationId xmlns:a16="http://schemas.microsoft.com/office/drawing/2014/main" id="{7E52BDC3-A2C5-E06B-A6A0-5C6F1DB2F8FD}"/>
-            </a:ext>
-          </a:extLst>
-        </p:cNvPr>
-        <p:cNvGrpSpPr/>
-        <p:nvPr/>
-      </p:nvGrpSpPr>
-      <p:grpSpPr>
-        <a:xfrm>
-          <a:off x="0" y="0"/>
-          <a:ext cx="0" cy="0"/>
-          <a:chOff x="0" y="0"/>
-          <a:chExt cx="0" cy="0"/>
-        </a:xfrm>
-      </p:grpSpPr>
-      <p:sp>
-        <p:nvSpPr>
-          <p:cNvPr id="2" name="Title 1">
-            <a:extLst>
-              <a:ext uri="{FF2B5EF4-FFF2-40B4-BE49-F238E27FC236}">
-                <a16:creationId xmlns:a16="http://schemas.microsoft.com/office/drawing/2014/main" id="{77CC2D04-2621-6F97-66B9-D05FF06D53C3}"/>
-              </a:ext>
-            </a:extLst>
-          </p:cNvPr>
-          <p:cNvSpPr>
-            <a:spLocks noGrp="1"/>
-          </p:cNvSpPr>
-          <p:nvPr>
-            <p:ph type="title"/>
-          </p:nvPr>
-        </p:nvSpPr>
-        <p:spPr/>
-        <p:txBody>
-          <a:bodyPr/>
-          <a:lstStyle/>
-          <a:p>
-            <a:r>
-              <a:rPr lang="en-US" dirty="0"/>
-              <a:t>Handshake Lemma</a:t>
-            </a:r>
-          </a:p>
-        </p:txBody>
-      </p:sp>
-      <mc:AlternateContent xmlns:mc="http://schemas.openxmlformats.org/markup-compatibility/2006">
-        <mc:Choice xmlns:a14="http://schemas.microsoft.com/office/drawing/2010/main" Requires="a14">
-          <p:sp>
-            <p:nvSpPr>
-              <p:cNvPr id="7" name="Content Placeholder 2">
-                <a:extLst>
-                  <a:ext uri="{FF2B5EF4-FFF2-40B4-BE49-F238E27FC236}">
-                    <a16:creationId xmlns:a16="http://schemas.microsoft.com/office/drawing/2014/main" id="{A2A23143-23FE-2814-A561-D6223D8E1CEC}"/>
-                  </a:ext>
-                </a:extLst>
-              </p:cNvPr>
-              <p:cNvSpPr txBox="1">
-                <a:spLocks/>
-              </p:cNvSpPr>
-              <p:nvPr/>
-            </p:nvSpPr>
-            <p:spPr>
-              <a:xfrm>
-                <a:off x="3456123" y="247973"/>
-                <a:ext cx="7895049" cy="6214820"/>
-              </a:xfrm>
-              <a:prstGeom prst="rect">
-                <a:avLst/>
-              </a:prstGeom>
-            </p:spPr>
-            <p:txBody>
-              <a:bodyPr vert="horz" lIns="91440" tIns="45720" rIns="91440" bIns="45720" rtlCol="0" anchor="t">
-                <a:normAutofit/>
-              </a:bodyPr>
-              <a:lstStyle>
-                <a:lvl1pPr marL="182880" indent="-182880" algn="l" defTabSz="914400" rtl="0" eaLnBrk="1" latinLnBrk="0" hangingPunct="1">
-                  <a:lnSpc>
-                    <a:spcPct val="90000"/>
-                  </a:lnSpc>
-                  <a:spcBef>
-                    <a:spcPts val="1200"/>
-                  </a:spcBef>
-                  <a:buClr>
-                    <a:schemeClr val="accent1"/>
-                  </a:buClr>
-                  <a:buFont typeface="Wingdings 2" pitchFamily="18" charset="2"/>
-                  <a:buChar char=""/>
-                  <a:defRPr sz="2000" kern="1200">
-                    <a:solidFill>
-                      <a:schemeClr val="tx1">
-                        <a:lumMod val="75000"/>
-                        <a:lumOff val="25000"/>
-                      </a:schemeClr>
-                    </a:solidFill>
-                    <a:latin typeface="+mn-lt"/>
-                    <a:ea typeface="+mn-ea"/>
-                    <a:cs typeface="+mn-cs"/>
-                  </a:defRPr>
-                </a:lvl1pPr>
-                <a:lvl2pPr marL="685800" indent="-182880" algn="l" defTabSz="914400" rtl="0" eaLnBrk="1" latinLnBrk="0" hangingPunct="1">
-                  <a:lnSpc>
-                    <a:spcPct val="90000"/>
-                  </a:lnSpc>
-                  <a:spcBef>
-                    <a:spcPts val="250"/>
-                  </a:spcBef>
-                  <a:spcAft>
-                    <a:spcPts val="250"/>
-                  </a:spcAft>
-                  <a:buClr>
-                    <a:schemeClr val="accent1"/>
-                  </a:buClr>
-                  <a:buFont typeface="Wingdings 2" pitchFamily="18" charset="2"/>
-                  <a:buChar char=""/>
-                  <a:defRPr sz="1800" kern="1200">
-                    <a:solidFill>
-                      <a:schemeClr val="tx1">
-                        <a:lumMod val="75000"/>
-                        <a:lumOff val="25000"/>
-                      </a:schemeClr>
-                    </a:solidFill>
-                    <a:latin typeface="+mn-lt"/>
-                    <a:ea typeface="+mn-ea"/>
-                    <a:cs typeface="+mn-cs"/>
-                  </a:defRPr>
-                </a:lvl2pPr>
-                <a:lvl3pPr marL="1143000" indent="-182880" algn="l" defTabSz="914400" rtl="0" eaLnBrk="1" latinLnBrk="0" hangingPunct="1">
-                  <a:lnSpc>
-                    <a:spcPct val="90000"/>
-                  </a:lnSpc>
-                  <a:spcBef>
-                    <a:spcPts val="250"/>
-                  </a:spcBef>
-                  <a:spcAft>
-                    <a:spcPts val="250"/>
-                  </a:spcAft>
-                  <a:buClr>
-                    <a:schemeClr val="accent1"/>
-                  </a:buClr>
-                  <a:buFont typeface="Wingdings 2" pitchFamily="18" charset="2"/>
-                  <a:buChar char=""/>
-                  <a:defRPr sz="1600" kern="1200">
-                    <a:solidFill>
-                      <a:schemeClr val="tx1">
-                        <a:lumMod val="75000"/>
-                        <a:lumOff val="25000"/>
-                      </a:schemeClr>
-                    </a:solidFill>
-                    <a:latin typeface="+mn-lt"/>
-                    <a:ea typeface="+mn-ea"/>
-                    <a:cs typeface="+mn-cs"/>
-                  </a:defRPr>
-                </a:lvl3pPr>
-                <a:lvl4pPr marL="1600200" indent="-182880" algn="l" defTabSz="914400" rtl="0" eaLnBrk="1" latinLnBrk="0" hangingPunct="1">
-                  <a:lnSpc>
-                    <a:spcPct val="90000"/>
-                  </a:lnSpc>
-                  <a:spcBef>
-                    <a:spcPts val="250"/>
-                  </a:spcBef>
-                  <a:spcAft>
-                    <a:spcPts val="250"/>
-                  </a:spcAft>
-                  <a:buClr>
-                    <a:schemeClr val="accent1"/>
-                  </a:buClr>
-                  <a:buFont typeface="Wingdings 2" pitchFamily="18" charset="2"/>
-                  <a:buChar char=""/>
-                  <a:defRPr sz="1400" kern="1200">
-                    <a:solidFill>
-                      <a:schemeClr val="tx1">
-                        <a:lumMod val="75000"/>
-                        <a:lumOff val="25000"/>
-                      </a:schemeClr>
-                    </a:solidFill>
-                    <a:latin typeface="+mn-lt"/>
-                    <a:ea typeface="+mn-ea"/>
-                    <a:cs typeface="+mn-cs"/>
-                  </a:defRPr>
-                </a:lvl4pPr>
-                <a:lvl5pPr marL="2057400" indent="-182880" algn="l" defTabSz="914400" rtl="0" eaLnBrk="1" latinLnBrk="0" hangingPunct="1">
-                  <a:lnSpc>
-                    <a:spcPct val="90000"/>
-                  </a:lnSpc>
-                  <a:spcBef>
-                    <a:spcPts val="250"/>
-                  </a:spcBef>
-                  <a:spcAft>
-                    <a:spcPts val="250"/>
-                  </a:spcAft>
-                  <a:buClr>
-                    <a:schemeClr val="accent1"/>
-                  </a:buClr>
-                  <a:buFont typeface="Wingdings 2" pitchFamily="18" charset="2"/>
-                  <a:buChar char=""/>
-                  <a:defRPr sz="1400" kern="1200">
-                    <a:solidFill>
-                      <a:schemeClr val="tx1">
-                        <a:lumMod val="75000"/>
-                        <a:lumOff val="25000"/>
-                      </a:schemeClr>
-                    </a:solidFill>
-                    <a:latin typeface="+mn-lt"/>
-                    <a:ea typeface="+mn-ea"/>
-                    <a:cs typeface="+mn-cs"/>
-                  </a:defRPr>
-                </a:lvl5pPr>
-                <a:lvl6pPr marL="2514600" indent="-228600" algn="l" defTabSz="914400" rtl="0" eaLnBrk="1" latinLnBrk="0" hangingPunct="1">
-                  <a:lnSpc>
-                    <a:spcPct val="90000"/>
-                  </a:lnSpc>
-                  <a:spcBef>
-                    <a:spcPts val="250"/>
-                  </a:spcBef>
-                  <a:spcAft>
-                    <a:spcPts val="250"/>
-                  </a:spcAft>
-                  <a:buClr>
-                    <a:schemeClr val="accent1"/>
-                  </a:buClr>
-                  <a:buFont typeface="Wingdings 2" pitchFamily="18" charset="2"/>
-                  <a:buChar char=""/>
-                  <a:defRPr sz="1400" kern="1200">
-                    <a:solidFill>
-                      <a:schemeClr val="tx1">
-                        <a:lumMod val="75000"/>
-                        <a:lumOff val="25000"/>
-                      </a:schemeClr>
-                    </a:solidFill>
-                    <a:latin typeface="+mn-lt"/>
-                    <a:ea typeface="+mn-ea"/>
-                    <a:cs typeface="+mn-cs"/>
-                  </a:defRPr>
-                </a:lvl6pPr>
-                <a:lvl7pPr marL="2971800" indent="-228600" algn="l" defTabSz="914400" rtl="0" eaLnBrk="1" latinLnBrk="0" hangingPunct="1">
-                  <a:lnSpc>
-                    <a:spcPct val="90000"/>
-                  </a:lnSpc>
-                  <a:spcBef>
-                    <a:spcPts val="250"/>
-                  </a:spcBef>
-                  <a:spcAft>
-                    <a:spcPts val="250"/>
-                  </a:spcAft>
-                  <a:buClr>
-                    <a:schemeClr val="accent1"/>
-                  </a:buClr>
-                  <a:buFont typeface="Wingdings 2" pitchFamily="18" charset="2"/>
-                  <a:buChar char=""/>
-                  <a:defRPr sz="1400" kern="1200">
-                    <a:solidFill>
-                      <a:schemeClr val="tx1">
-                        <a:lumMod val="75000"/>
-                        <a:lumOff val="25000"/>
-                      </a:schemeClr>
-                    </a:solidFill>
-                    <a:latin typeface="+mn-lt"/>
-                    <a:ea typeface="+mn-ea"/>
-                    <a:cs typeface="+mn-cs"/>
-                  </a:defRPr>
-                </a:lvl7pPr>
-                <a:lvl8pPr marL="3429000" indent="-228600" algn="l" defTabSz="914400" rtl="0" eaLnBrk="1" latinLnBrk="0" hangingPunct="1">
-                  <a:lnSpc>
-                    <a:spcPct val="90000"/>
-                  </a:lnSpc>
-                  <a:spcBef>
-                    <a:spcPts val="250"/>
-                  </a:spcBef>
-                  <a:spcAft>
-                    <a:spcPts val="250"/>
-                  </a:spcAft>
-                  <a:buClr>
-                    <a:schemeClr val="accent1"/>
-                  </a:buClr>
-                  <a:buFont typeface="Wingdings 2" pitchFamily="18" charset="2"/>
-                  <a:buChar char=""/>
-                  <a:defRPr sz="1400" kern="1200">
-                    <a:solidFill>
-                      <a:schemeClr val="tx1">
-                        <a:lumMod val="75000"/>
-                        <a:lumOff val="25000"/>
-                      </a:schemeClr>
-                    </a:solidFill>
-                    <a:latin typeface="+mn-lt"/>
-                    <a:ea typeface="+mn-ea"/>
-                    <a:cs typeface="+mn-cs"/>
-                  </a:defRPr>
-                </a:lvl8pPr>
-                <a:lvl9pPr marL="3886200" indent="-228600" algn="l" defTabSz="914400" rtl="0" eaLnBrk="1" latinLnBrk="0" hangingPunct="1">
-                  <a:lnSpc>
-                    <a:spcPct val="90000"/>
-                  </a:lnSpc>
-                  <a:spcBef>
-                    <a:spcPts val="250"/>
-                  </a:spcBef>
-                  <a:spcAft>
-                    <a:spcPts val="250"/>
-                  </a:spcAft>
-                  <a:buClr>
-                    <a:schemeClr val="accent1"/>
-                  </a:buClr>
-                  <a:buFont typeface="Wingdings 2" pitchFamily="18" charset="2"/>
-                  <a:buChar char=""/>
-                  <a:defRPr sz="1400" kern="1200">
-                    <a:solidFill>
-                      <a:schemeClr val="tx1">
-                        <a:lumMod val="75000"/>
-                        <a:lumOff val="25000"/>
-                      </a:schemeClr>
-                    </a:solidFill>
-                    <a:latin typeface="+mn-lt"/>
-                    <a:ea typeface="+mn-ea"/>
-                    <a:cs typeface="+mn-cs"/>
-                  </a:defRPr>
-                </a:lvl9pPr>
-              </a:lstStyle>
-              <a:p>
-                <a:pPr marL="0" indent="0">
-                  <a:buFont typeface="Wingdings 2" pitchFamily="18" charset="2"/>
-                  <a:buNone/>
-                </a:pPr>
-                <a:r>
-                  <a:rPr lang="en-US" sz="2400" dirty="0">
-                    <a:solidFill>
-                      <a:schemeClr val="tx1"/>
-                    </a:solidFill>
-                    <a:latin typeface="Open Sans" panose="020B0606030504020204" pitchFamily="34" charset="0"/>
-                  </a:rPr>
-                  <a:t>In any graph, the sum of the degrees of vertices in the graph is always twice the number of edges. </a:t>
-                </a:r>
-              </a:p>
-              <a:p>
-                <a:pPr marL="0" indent="0">
-                  <a:buFont typeface="Wingdings 2" pitchFamily="18" charset="2"/>
-                  <a:buNone/>
-                </a:pPr>
-                <a:endParaRPr lang="en-US" sz="2400" dirty="0">
-                  <a:solidFill>
-                    <a:schemeClr val="tx1"/>
-                  </a:solidFill>
-                  <a:latin typeface="Open Sans" panose="020B0606030504020204" pitchFamily="34" charset="0"/>
-                </a:endParaRPr>
-              </a:p>
-              <a:p>
-                <a:pPr marL="0" indent="0">
-                  <a:buFont typeface="Wingdings 2" pitchFamily="18" charset="2"/>
-                  <a:buNone/>
-                </a:pPr>
-                <a:r>
-                  <a:rPr lang="en-US" sz="2400" dirty="0">
-                    <a:solidFill>
-                      <a:schemeClr val="tx1"/>
-                    </a:solidFill>
-                    <a:latin typeface="Open Sans" panose="020B0606030504020204" pitchFamily="34" charset="0"/>
-                  </a:rPr>
-                  <a:t>This can be written symbolically as: </a:t>
-                </a:r>
-                <a14:m>
-                  <m:oMath xmlns:m="http://schemas.openxmlformats.org/officeDocument/2006/math">
-                    <m:nary>
-                      <m:naryPr>
-                        <m:chr m:val="∑"/>
-                        <m:supHide m:val="on"/>
-                        <m:ctrlPr>
-                          <a:rPr lang="en-US" sz="2400" b="0" i="1" smtClean="0">
-                            <a:solidFill>
-                              <a:schemeClr val="tx1"/>
-                            </a:solidFill>
-                            <a:latin typeface="Cambria Math" panose="02040503050406030204" pitchFamily="18" charset="0"/>
-                          </a:rPr>
-                        </m:ctrlPr>
-                      </m:naryPr>
-                      <m:sub>
-                        <m:r>
-                          <a:rPr lang="en-US" sz="2400" b="0" i="1" smtClean="0">
-                            <a:solidFill>
-                              <a:schemeClr val="tx1"/>
-                            </a:solidFill>
-                            <a:latin typeface="Cambria Math" panose="02040503050406030204" pitchFamily="18" charset="0"/>
-                          </a:rPr>
-                          <m:t>𝑣</m:t>
-                        </m:r>
-                        <m:r>
-                          <a:rPr lang="en-US" sz="2400" b="0" i="1" smtClean="0">
-                            <a:solidFill>
-                              <a:schemeClr val="tx1"/>
-                            </a:solidFill>
-                            <a:latin typeface="Cambria Math" panose="02040503050406030204" pitchFamily="18" charset="0"/>
-                          </a:rPr>
-                          <m:t>∈</m:t>
-                        </m:r>
-                        <m:r>
-                          <a:rPr lang="en-US" sz="2400" b="0" i="1" smtClean="0">
-                            <a:solidFill>
-                              <a:schemeClr val="tx1"/>
-                            </a:solidFill>
-                            <a:latin typeface="Cambria Math" panose="02040503050406030204" pitchFamily="18" charset="0"/>
-                          </a:rPr>
-                          <m:t>𝑉</m:t>
-                        </m:r>
-                      </m:sub>
-                      <m:sup/>
-                      <m:e>
-                        <m:r>
-                          <a:rPr lang="en-US" sz="2400" b="0" i="1" smtClean="0">
-                            <a:solidFill>
-                              <a:schemeClr val="tx1"/>
-                            </a:solidFill>
-                            <a:latin typeface="Cambria Math" panose="02040503050406030204" pitchFamily="18" charset="0"/>
-                          </a:rPr>
-                          <m:t>𝑑</m:t>
-                        </m:r>
-                        <m:r>
-                          <a:rPr lang="en-US" sz="2400" b="0" i="1" smtClean="0">
-                            <a:solidFill>
-                              <a:schemeClr val="tx1"/>
-                            </a:solidFill>
-                            <a:latin typeface="Cambria Math" panose="02040503050406030204" pitchFamily="18" charset="0"/>
-                          </a:rPr>
-                          <m:t>(</m:t>
-                        </m:r>
-                        <m:r>
-                          <a:rPr lang="en-US" sz="2400" b="0" i="1" smtClean="0">
-                            <a:solidFill>
-                              <a:schemeClr val="tx1"/>
-                            </a:solidFill>
-                            <a:latin typeface="Cambria Math" panose="02040503050406030204" pitchFamily="18" charset="0"/>
-                          </a:rPr>
-                          <m:t>𝑣</m:t>
-                        </m:r>
-                        <m:r>
-                          <a:rPr lang="en-US" sz="2400" b="0" i="1" smtClean="0">
-                            <a:solidFill>
-                              <a:schemeClr val="tx1"/>
-                            </a:solidFill>
-                            <a:latin typeface="Cambria Math" panose="02040503050406030204" pitchFamily="18" charset="0"/>
-                          </a:rPr>
-                          <m:t>)</m:t>
-                        </m:r>
-                      </m:e>
-                    </m:nary>
-                    <m:r>
-                      <a:rPr lang="en-US" sz="2400" b="0" i="1" smtClean="0">
-                        <a:solidFill>
-                          <a:schemeClr val="tx1"/>
-                        </a:solidFill>
-                        <a:latin typeface="Cambria Math" panose="02040503050406030204" pitchFamily="18" charset="0"/>
-                      </a:rPr>
-                      <m:t>=2</m:t>
-                    </m:r>
-                    <m:r>
-                      <a:rPr lang="en-US" sz="2400" b="0" i="1" smtClean="0">
-                        <a:solidFill>
-                          <a:schemeClr val="tx1"/>
-                        </a:solidFill>
-                        <a:latin typeface="Cambria Math" panose="02040503050406030204" pitchFamily="18" charset="0"/>
-                      </a:rPr>
-                      <m:t>𝑒</m:t>
-                    </m:r>
-                  </m:oMath>
-                </a14:m>
-                <a:endParaRPr lang="en-US" sz="2400" dirty="0">
-                  <a:solidFill>
-                    <a:schemeClr val="tx1"/>
-                  </a:solidFill>
-                  <a:latin typeface="Open Sans" panose="020B0606030504020204" pitchFamily="34" charset="0"/>
-                </a:endParaRPr>
-              </a:p>
-              <a:p>
-                <a:pPr marL="0" indent="0">
-                  <a:buFont typeface="Wingdings 2" pitchFamily="18" charset="2"/>
-                  <a:buNone/>
-                </a:pPr>
-                <a:endParaRPr lang="en-US" sz="2400" dirty="0">
-                  <a:solidFill>
-                    <a:schemeClr val="tx1"/>
-                  </a:solidFill>
-                  <a:latin typeface="Open Sans" panose="020B0606030504020204" pitchFamily="34" charset="0"/>
-                </a:endParaRPr>
-              </a:p>
-              <a:p>
-                <a:pPr marL="0" indent="0">
-                  <a:buFont typeface="Wingdings 2" pitchFamily="18" charset="2"/>
-                  <a:buNone/>
-                </a:pPr>
-                <a:r>
-                  <a:rPr lang="en-US" sz="2400" dirty="0">
-                    <a:solidFill>
-                      <a:schemeClr val="tx1"/>
-                    </a:solidFill>
-                    <a:latin typeface="Open Sans" panose="020B0606030504020204" pitchFamily="34" charset="0"/>
-                  </a:rPr>
-                  <a:t>Given a </a:t>
-                </a:r>
-                <a:r>
-                  <a:rPr lang="en-US" sz="2400" b="1" i="1" dirty="0">
-                    <a:solidFill>
-                      <a:schemeClr val="tx1"/>
-                    </a:solidFill>
-                    <a:latin typeface="Open Sans" panose="020B0606030504020204" pitchFamily="34" charset="0"/>
-                  </a:rPr>
-                  <a:t>degree sequence </a:t>
-                </a:r>
-                <a:r>
-                  <a:rPr lang="en-US" sz="2400" dirty="0">
-                    <a:solidFill>
-                      <a:schemeClr val="tx1"/>
-                    </a:solidFill>
-                    <a:latin typeface="Open Sans" panose="020B0606030504020204" pitchFamily="34" charset="0"/>
-                  </a:rPr>
-                  <a:t>for a graph (a list of every degree of every vertex in the graph), we can use the handshake lemma to find the number of edges in the graph. </a:t>
-                </a:r>
-              </a:p>
-              <a:p>
-                <a:pPr marL="0" indent="0">
-                  <a:buFont typeface="Wingdings 2" pitchFamily="18" charset="2"/>
-                  <a:buNone/>
-                </a:pPr>
-                <a:endParaRPr lang="en-US" sz="2400" dirty="0">
-                  <a:solidFill>
-                    <a:schemeClr val="tx1"/>
-                  </a:solidFill>
-                  <a:latin typeface="Open Sans" panose="020B0606030504020204" pitchFamily="34" charset="0"/>
-                </a:endParaRPr>
-              </a:p>
-              <a:p>
-                <a:pPr marL="0" indent="0">
-                  <a:buFont typeface="Wingdings 2" pitchFamily="18" charset="2"/>
-                  <a:buNone/>
-                </a:pPr>
-                <a:endParaRPr lang="en-US" sz="2400" dirty="0">
-                  <a:solidFill>
-                    <a:schemeClr val="tx1"/>
-                  </a:solidFill>
-                  <a:latin typeface="Open Sans" panose="020B0606030504020204" pitchFamily="34" charset="0"/>
-                </a:endParaRPr>
-              </a:p>
-              <a:p>
-                <a:pPr marL="0" indent="0">
-                  <a:buFont typeface="Wingdings 2" pitchFamily="18" charset="2"/>
-                  <a:buNone/>
-                </a:pPr>
-                <a:r>
-                  <a:rPr lang="en-US" sz="2400" dirty="0">
-                    <a:solidFill>
-                      <a:schemeClr val="tx1"/>
-                    </a:solidFill>
-                    <a:latin typeface="Open Sans" panose="020B0606030504020204" pitchFamily="34" charset="0"/>
-                  </a:rPr>
-                  <a:t> </a:t>
-                </a:r>
-              </a:p>
-              <a:p>
-                <a:pPr marL="0" indent="0">
-                  <a:buFont typeface="Wingdings 2" pitchFamily="18" charset="2"/>
-                  <a:buNone/>
-                </a:pPr>
-                <a:endParaRPr lang="en-US" sz="2400" dirty="0">
-                  <a:solidFill>
-                    <a:schemeClr val="tx1"/>
-                  </a:solidFill>
-                  <a:latin typeface="Open Sans" panose="020B0606030504020204" pitchFamily="34" charset="0"/>
-                </a:endParaRPr>
-              </a:p>
-              <a:p>
-                <a:pPr marL="0" indent="0">
-                  <a:buFont typeface="Wingdings 2" pitchFamily="18" charset="2"/>
-                  <a:buNone/>
-                </a:pPr>
-                <a:endParaRPr lang="en-US" sz="2400" dirty="0">
-                  <a:solidFill>
-                    <a:schemeClr val="tx1"/>
-                  </a:solidFill>
-                  <a:latin typeface="Open Sans" panose="020B0606030504020204" pitchFamily="34" charset="0"/>
-                </a:endParaRPr>
-              </a:p>
-            </p:txBody>
-          </p:sp>
-        </mc:Choice>
-        <mc:Fallback>
-          <p:sp>
-            <p:nvSpPr>
-              <p:cNvPr id="7" name="Content Placeholder 2">
-                <a:extLst>
-                  <a:ext uri="{FF2B5EF4-FFF2-40B4-BE49-F238E27FC236}">
-                    <a16:creationId xmlns:a16="http://schemas.microsoft.com/office/drawing/2014/main" id="{A2A23143-23FE-2814-A561-D6223D8E1CEC}"/>
-                  </a:ext>
-                </a:extLst>
-              </p:cNvPr>
-              <p:cNvSpPr txBox="1">
-                <a:spLocks noRot="1" noChangeAspect="1" noMove="1" noResize="1" noEditPoints="1" noAdjustHandles="1" noChangeArrowheads="1" noChangeShapeType="1" noTextEdit="1"/>
-              </p:cNvSpPr>
-              <p:nvPr/>
-            </p:nvSpPr>
-            <p:spPr>
-              <a:xfrm>
-                <a:off x="3456123" y="247973"/>
-                <a:ext cx="7895049" cy="6214820"/>
-              </a:xfrm>
-              <a:prstGeom prst="rect">
-                <a:avLst/>
-              </a:prstGeom>
-              <a:blipFill>
-                <a:blip r:embed="rId3"/>
-                <a:stretch>
-                  <a:fillRect l="-1286" t="-1429" r="-1447"/>
-                </a:stretch>
-              </a:blipFill>
-            </p:spPr>
-            <p:txBody>
-              <a:bodyPr/>
-              <a:lstStyle/>
-              <a:p>
-                <a:r>
-                  <a:rPr lang="en-US">
-                    <a:noFill/>
-                  </a:rPr>
-                  <a:t> </a:t>
-                </a:r>
-              </a:p>
-            </p:txBody>
-          </p:sp>
-        </mc:Fallback>
-      </mc:AlternateContent>
-      <p:sp>
-        <p:nvSpPr>
-          <p:cNvPr id="3" name="Rounded Rectangle 2">
-            <a:extLst>
-              <a:ext uri="{FF2B5EF4-FFF2-40B4-BE49-F238E27FC236}">
-                <a16:creationId xmlns:a16="http://schemas.microsoft.com/office/drawing/2014/main" id="{A4EFC927-4374-9AE6-E0E4-062F09DE1D21}"/>
-              </a:ext>
-            </a:extLst>
-          </p:cNvPr>
-          <p:cNvSpPr/>
-          <p:nvPr/>
-        </p:nvSpPr>
-        <p:spPr>
-          <a:xfrm>
-            <a:off x="4389121" y="4297680"/>
-            <a:ext cx="6270170" cy="2165112"/>
-          </a:xfrm>
-          <a:prstGeom prst="roundRect">
-            <a:avLst/>
-          </a:prstGeom>
-        </p:spPr>
-        <p:style>
-          <a:lnRef idx="0">
-            <a:schemeClr val="accent5"/>
-          </a:lnRef>
-          <a:fillRef idx="3">
-            <a:schemeClr val="accent5"/>
-          </a:fillRef>
-          <a:effectRef idx="3">
-            <a:schemeClr val="accent5"/>
-          </a:effectRef>
-          <a:fontRef idx="minor">
-            <a:schemeClr val="lt1"/>
-          </a:fontRef>
-        </p:style>
-        <p:txBody>
-          <a:bodyPr rtlCol="0" anchor="ctr"/>
-          <a:lstStyle/>
-          <a:p>
-            <a:pPr algn="ctr"/>
-            <a:r>
-              <a:rPr lang="en-US" sz="2400" dirty="0"/>
-              <a:t>At a recent math seminar, 9 mathematicians greeted each other by shaking hands. Is it possible that each mathematician shook hands with exactly 7 people at the seminar? </a:t>
-            </a:r>
-            <a:endParaRPr lang="en-US" sz="2400" b="0" dirty="0"/>
-          </a:p>
-        </p:txBody>
-      </p:sp>
-    </p:spTree>
-    <p:extLst>
-      <p:ext uri="{BB962C8B-B14F-4D97-AF65-F5344CB8AC3E}">
-        <p14:creationId xmlns:p14="http://schemas.microsoft.com/office/powerpoint/2010/main" val="2892829067"/>
-      </p:ext>
-    </p:extLst>
-  </p:cSld>
-  <p:clrMapOvr>
-    <a:masterClrMapping/>
-  </p:clrMapOvr>
-</p:sld>
-</file>
-
-<file path=ppt/slides/slide32.xml><?xml version="1.0" encoding="utf-8"?>
 <p:sld xmlns:a="http://schemas.openxmlformats.org/drawingml/2006/main" xmlns:r="http://schemas.openxmlformats.org/officeDocument/2006/relationships" xmlns:p="http://schemas.openxmlformats.org/presentationml/2006/main">
   <p:cSld>
     <p:spTree>
@@ -27873,7 +27408,7 @@
 </p:sld>
 </file>
 
-<file path=ppt/slides/slide33.xml><?xml version="1.0" encoding="utf-8"?>
+<file path=ppt/slides/slide32.xml><?xml version="1.0" encoding="utf-8"?>
 <p:sld xmlns:a="http://schemas.openxmlformats.org/drawingml/2006/main" xmlns:r="http://schemas.openxmlformats.org/officeDocument/2006/relationships" xmlns:p="http://schemas.openxmlformats.org/presentationml/2006/main">
   <p:cSld>
     <p:spTree>
@@ -27924,8 +27459,8 @@
           </a:p>
         </p:txBody>
       </p:sp>
-      <mc:AlternateContent xmlns:mc="http://schemas.openxmlformats.org/markup-compatibility/2006">
-        <mc:Choice xmlns:a14="http://schemas.microsoft.com/office/drawing/2010/main" Requires="a14">
+      <mc:AlternateContent xmlns:mc="http://schemas.openxmlformats.org/markup-compatibility/2006" xmlns:a14="http://schemas.microsoft.com/office/drawing/2010/main">
+        <mc:Choice Requires="a14">
           <p:sp>
             <p:nvSpPr>
               <p:cNvPr id="7" name="Content Placeholder 2">
@@ -28688,7 +28223,7 @@
             </p:txBody>
           </p:sp>
         </mc:Choice>
-        <mc:Fallback>
+        <mc:Fallback xmlns="">
           <p:sp>
             <p:nvSpPr>
               <p:cNvPr id="7" name="Content Placeholder 2">
@@ -28776,7 +28311,7 @@
 </p:sld>
 </file>
 
-<file path=ppt/slides/slide34.xml><?xml version="1.0" encoding="utf-8"?>
+<file path=ppt/slides/slide33.xml><?xml version="1.0" encoding="utf-8"?>
 <p:sld xmlns:a="http://schemas.openxmlformats.org/drawingml/2006/main" xmlns:r="http://schemas.openxmlformats.org/officeDocument/2006/relationships" xmlns:p="http://schemas.openxmlformats.org/presentationml/2006/main">
   <p:cSld>
     <p:spTree>
@@ -28827,8 +28362,8 @@
           </a:p>
         </p:txBody>
       </p:sp>
-      <mc:AlternateContent xmlns:mc="http://schemas.openxmlformats.org/markup-compatibility/2006">
-        <mc:Choice xmlns:a14="http://schemas.microsoft.com/office/drawing/2010/main" Requires="a14">
+      <mc:AlternateContent xmlns:mc="http://schemas.openxmlformats.org/markup-compatibility/2006" xmlns:a14="http://schemas.microsoft.com/office/drawing/2010/main">
+        <mc:Choice Requires="a14">
           <p:sp>
             <p:nvSpPr>
               <p:cNvPr id="7" name="Content Placeholder 2">
@@ -29591,7 +29126,7 @@
             </p:txBody>
           </p:sp>
         </mc:Choice>
-        <mc:Fallback>
+        <mc:Fallback xmlns="">
           <p:sp>
             <p:nvSpPr>
               <p:cNvPr id="7" name="Content Placeholder 2">
@@ -29727,7 +29262,7 @@
 </p:sld>
 </file>
 
-<file path=ppt/slides/slide35.xml><?xml version="1.0" encoding="utf-8"?>
+<file path=ppt/slides/slide34.xml><?xml version="1.0" encoding="utf-8"?>
 <p:sld xmlns:a="http://schemas.openxmlformats.org/drawingml/2006/main" xmlns:r="http://schemas.openxmlformats.org/officeDocument/2006/relationships" xmlns:p="http://schemas.openxmlformats.org/presentationml/2006/main">
   <p:cSld>
     <p:spTree>
@@ -29778,8 +29313,8 @@
           </a:p>
         </p:txBody>
       </p:sp>
-      <mc:AlternateContent xmlns:mc="http://schemas.openxmlformats.org/markup-compatibility/2006">
-        <mc:Choice xmlns:a14="http://schemas.microsoft.com/office/drawing/2010/main" Requires="a14">
+      <mc:AlternateContent xmlns:mc="http://schemas.openxmlformats.org/markup-compatibility/2006" xmlns:a14="http://schemas.microsoft.com/office/drawing/2010/main">
+        <mc:Choice Requires="a14">
           <p:sp>
             <p:nvSpPr>
               <p:cNvPr id="7" name="Content Placeholder 2">
@@ -30522,7 +30057,7 @@
             </p:txBody>
           </p:sp>
         </mc:Choice>
-        <mc:Fallback>
+        <mc:Fallback xmlns="">
           <p:sp>
             <p:nvSpPr>
               <p:cNvPr id="7" name="Content Placeholder 2">
